--- a/DOC/공통문서/github 사용법.pptx
+++ b/DOC/공통문서/github 사용법.pptx
@@ -6325,36 +6325,6 @@
           <a:chExt cx="0" cy="0"/>
         </a:xfrm>
       </p:grpSpPr>
-      <p:pic>
-        <p:nvPicPr>
-          <p:cNvPr id="2" name="그림 1">
-            <a:extLst>
-              <a:ext uri="{FF2B5EF4-FFF2-40B4-BE49-F238E27FC236}">
-                <a16:creationId xmlns:a16="http://schemas.microsoft.com/office/drawing/2014/main" id="{492A444A-43E0-16DF-A581-695FAC3CA3D3}"/>
-              </a:ext>
-            </a:extLst>
-          </p:cNvPr>
-          <p:cNvPicPr>
-            <a:picLocks noChangeAspect="1"/>
-          </p:cNvPicPr>
-          <p:nvPr/>
-        </p:nvPicPr>
-        <p:blipFill>
-          <a:blip r:embed="rId2"/>
-          <a:stretch>
-            <a:fillRect/>
-          </a:stretch>
-        </p:blipFill>
-        <p:spPr>
-          <a:xfrm>
-            <a:off x="452941" y="1372886"/>
-            <a:ext cx="7259063" cy="4315427"/>
-          </a:xfrm>
-          <a:prstGeom prst="rect">
-            <a:avLst/>
-          </a:prstGeom>
-        </p:spPr>
-      </p:pic>
       <p:sp>
         <p:nvSpPr>
           <p:cNvPr id="3" name="TextBox 2">
@@ -6431,20 +6401,12 @@
               </a:rPr>
             </a:br>
             <a:r>
-              <a:rPr lang="ko-KR" altLang="en-US">
-                <a:solidFill>
-                  <a:srgbClr val="FF0000"/>
-                </a:solidFill>
-              </a:rPr>
-              <a:t>그걸 취소할 수 </a:t>
-            </a:r>
-            <a:r>
               <a:rPr lang="ko-KR" altLang="en-US" dirty="0">
                 <a:solidFill>
                   <a:srgbClr val="FF0000"/>
                 </a:solidFill>
               </a:rPr>
-              <a:t>있습니다</a:t>
+              <a:t>그걸 취소할 수 있습니다</a:t>
             </a:r>
             <a:r>
               <a:rPr lang="en-US" altLang="ko-KR" dirty="0">
@@ -6457,6 +6419,36 @@
           </a:p>
         </p:txBody>
       </p:sp>
+      <p:pic>
+        <p:nvPicPr>
+          <p:cNvPr id="5" name="그림 4">
+            <a:extLst>
+              <a:ext uri="{FF2B5EF4-FFF2-40B4-BE49-F238E27FC236}">
+                <a16:creationId xmlns:a16="http://schemas.microsoft.com/office/drawing/2014/main" id="{72457A7E-B002-96E6-E0A2-4E309C2FFCAD}"/>
+              </a:ext>
+            </a:extLst>
+          </p:cNvPr>
+          <p:cNvPicPr>
+            <a:picLocks noChangeAspect="1"/>
+          </p:cNvPicPr>
+          <p:nvPr/>
+        </p:nvPicPr>
+        <p:blipFill>
+          <a:blip r:embed="rId2"/>
+          <a:stretch>
+            <a:fillRect/>
+          </a:stretch>
+        </p:blipFill>
+        <p:spPr>
+          <a:xfrm>
+            <a:off x="540771" y="1741138"/>
+            <a:ext cx="3801005" cy="5001323"/>
+          </a:xfrm>
+          <a:prstGeom prst="rect">
+            <a:avLst/>
+          </a:prstGeom>
+        </p:spPr>
+      </p:pic>
     </p:spTree>
     <p:extLst>
       <p:ext uri="{BB962C8B-B14F-4D97-AF65-F5344CB8AC3E}">

--- a/DOC/공통문서/github 사용법.pptx
+++ b/DOC/공통문서/github 사용법.pptx
@@ -19,10 +19,11 @@
     <p:sldId id="314" r:id="rId13"/>
     <p:sldId id="315" r:id="rId14"/>
     <p:sldId id="316" r:id="rId15"/>
-    <p:sldId id="317" r:id="rId16"/>
-    <p:sldId id="318" r:id="rId17"/>
+    <p:sldId id="321" r:id="rId16"/>
+    <p:sldId id="317" r:id="rId17"/>
     <p:sldId id="319" r:id="rId18"/>
-    <p:sldId id="320" r:id="rId19"/>
+    <p:sldId id="318" r:id="rId19"/>
+    <p:sldId id="320" r:id="rId20"/>
   </p:sldIdLst>
   <p:sldSz cx="12192000" cy="6858000"/>
   <p:notesSz cx="6858000" cy="9144000"/>
@@ -1144,7 +1145,7 @@
           <a:p>
             <a:fld id="{ADAF0334-EF1F-40BE-A71F-BA73690F7647}" type="datetimeFigureOut">
               <a:rPr lang="ko-KR" altLang="en-US" smtClean="0"/>
-              <a:t>2024-09-10</a:t>
+              <a:t>2024-09-23</a:t>
             </a:fld>
             <a:endParaRPr lang="ko-KR" altLang="en-US"/>
           </a:p>
@@ -1342,7 +1343,7 @@
           <a:p>
             <a:fld id="{ADAF0334-EF1F-40BE-A71F-BA73690F7647}" type="datetimeFigureOut">
               <a:rPr lang="ko-KR" altLang="en-US" smtClean="0"/>
-              <a:t>2024-09-10</a:t>
+              <a:t>2024-09-23</a:t>
             </a:fld>
             <a:endParaRPr lang="ko-KR" altLang="en-US"/>
           </a:p>
@@ -1550,7 +1551,7 @@
           <a:p>
             <a:fld id="{ADAF0334-EF1F-40BE-A71F-BA73690F7647}" type="datetimeFigureOut">
               <a:rPr lang="ko-KR" altLang="en-US" smtClean="0"/>
-              <a:t>2024-09-10</a:t>
+              <a:t>2024-09-23</a:t>
             </a:fld>
             <a:endParaRPr lang="ko-KR" altLang="en-US"/>
           </a:p>
@@ -1748,7 +1749,7 @@
           <a:p>
             <a:fld id="{ADAF0334-EF1F-40BE-A71F-BA73690F7647}" type="datetimeFigureOut">
               <a:rPr lang="ko-KR" altLang="en-US" smtClean="0"/>
-              <a:t>2024-09-10</a:t>
+              <a:t>2024-09-23</a:t>
             </a:fld>
             <a:endParaRPr lang="ko-KR" altLang="en-US"/>
           </a:p>
@@ -2023,7 +2024,7 @@
           <a:p>
             <a:fld id="{ADAF0334-EF1F-40BE-A71F-BA73690F7647}" type="datetimeFigureOut">
               <a:rPr lang="ko-KR" altLang="en-US" smtClean="0"/>
-              <a:t>2024-09-10</a:t>
+              <a:t>2024-09-23</a:t>
             </a:fld>
             <a:endParaRPr lang="ko-KR" altLang="en-US"/>
           </a:p>
@@ -2288,7 +2289,7 @@
           <a:p>
             <a:fld id="{ADAF0334-EF1F-40BE-A71F-BA73690F7647}" type="datetimeFigureOut">
               <a:rPr lang="ko-KR" altLang="en-US" smtClean="0"/>
-              <a:t>2024-09-10</a:t>
+              <a:t>2024-09-23</a:t>
             </a:fld>
             <a:endParaRPr lang="ko-KR" altLang="en-US"/>
           </a:p>
@@ -2700,7 +2701,7 @@
           <a:p>
             <a:fld id="{ADAF0334-EF1F-40BE-A71F-BA73690F7647}" type="datetimeFigureOut">
               <a:rPr lang="ko-KR" altLang="en-US" smtClean="0"/>
-              <a:t>2024-09-10</a:t>
+              <a:t>2024-09-23</a:t>
             </a:fld>
             <a:endParaRPr lang="ko-KR" altLang="en-US"/>
           </a:p>
@@ -2841,7 +2842,7 @@
           <a:p>
             <a:fld id="{ADAF0334-EF1F-40BE-A71F-BA73690F7647}" type="datetimeFigureOut">
               <a:rPr lang="ko-KR" altLang="en-US" smtClean="0"/>
-              <a:t>2024-09-10</a:t>
+              <a:t>2024-09-23</a:t>
             </a:fld>
             <a:endParaRPr lang="ko-KR" altLang="en-US"/>
           </a:p>
@@ -2954,7 +2955,7 @@
           <a:p>
             <a:fld id="{ADAF0334-EF1F-40BE-A71F-BA73690F7647}" type="datetimeFigureOut">
               <a:rPr lang="ko-KR" altLang="en-US" smtClean="0"/>
-              <a:t>2024-09-10</a:t>
+              <a:t>2024-09-23</a:t>
             </a:fld>
             <a:endParaRPr lang="ko-KR" altLang="en-US"/>
           </a:p>
@@ -3265,7 +3266,7 @@
           <a:p>
             <a:fld id="{ADAF0334-EF1F-40BE-A71F-BA73690F7647}" type="datetimeFigureOut">
               <a:rPr lang="ko-KR" altLang="en-US" smtClean="0"/>
-              <a:t>2024-09-10</a:t>
+              <a:t>2024-09-23</a:t>
             </a:fld>
             <a:endParaRPr lang="ko-KR" altLang="en-US"/>
           </a:p>
@@ -3553,7 +3554,7 @@
           <a:p>
             <a:fld id="{ADAF0334-EF1F-40BE-A71F-BA73690F7647}" type="datetimeFigureOut">
               <a:rPr lang="ko-KR" altLang="en-US" smtClean="0"/>
-              <a:t>2024-09-10</a:t>
+              <a:t>2024-09-23</a:t>
             </a:fld>
             <a:endParaRPr lang="ko-KR" altLang="en-US"/>
           </a:p>
@@ -3794,7 +3795,7 @@
           <a:p>
             <a:fld id="{ADAF0334-EF1F-40BE-A71F-BA73690F7647}" type="datetimeFigureOut">
               <a:rPr lang="ko-KR" altLang="en-US" smtClean="0"/>
-              <a:t>2024-09-10</a:t>
+              <a:t>2024-09-23</a:t>
             </a:fld>
             <a:endParaRPr lang="ko-KR" altLang="en-US"/>
           </a:p>
@@ -4618,8 +4619,8 @@
           </a:prstGeom>
         </p:spPr>
       </p:pic>
-      <mc:AlternateContent xmlns:mc="http://schemas.openxmlformats.org/markup-compatibility/2006">
-        <mc:Choice xmlns:p14="http://schemas.microsoft.com/office/powerpoint/2010/main" Requires="p14">
+      <mc:AlternateContent xmlns:mc="http://schemas.openxmlformats.org/markup-compatibility/2006" xmlns:p14="http://schemas.microsoft.com/office/powerpoint/2010/main">
+        <mc:Choice Requires="p14">
           <p:contentPart p14:bwMode="auto" r:id="rId3">
             <p14:nvContentPartPr>
               <p14:cNvPr id="9" name="잉크 8">
@@ -4638,7 +4639,7 @@
             </p14:xfrm>
           </p:contentPart>
         </mc:Choice>
-        <mc:Fallback>
+        <mc:Fallback xmlns="">
           <p:pic>
             <p:nvPicPr>
               <p:cNvPr id="9" name="잉크 8">
@@ -4944,8 +4945,8 @@
             <a:chExt cx="5755320" cy="4809600"/>
           </a:xfrm>
         </p:grpSpPr>
-        <mc:AlternateContent xmlns:mc="http://schemas.openxmlformats.org/markup-compatibility/2006">
-          <mc:Choice xmlns:p14="http://schemas.microsoft.com/office/powerpoint/2010/main" Requires="p14">
+        <mc:AlternateContent xmlns:mc="http://schemas.openxmlformats.org/markup-compatibility/2006" xmlns:p14="http://schemas.microsoft.com/office/powerpoint/2010/main">
+          <mc:Choice Requires="p14">
             <p:contentPart p14:bwMode="auto" r:id="rId5">
               <p14:nvContentPartPr>
                 <p14:cNvPr id="6" name="잉크 5">
@@ -4964,7 +4965,7 @@
               </p14:xfrm>
             </p:contentPart>
           </mc:Choice>
-          <mc:Fallback>
+          <mc:Fallback xmlns="">
             <p:pic>
               <p:nvPicPr>
                 <p:cNvPr id="6" name="잉크 5">
@@ -4995,8 +4996,8 @@
             </p:pic>
           </mc:Fallback>
         </mc:AlternateContent>
-        <mc:AlternateContent xmlns:mc="http://schemas.openxmlformats.org/markup-compatibility/2006">
-          <mc:Choice xmlns:p14="http://schemas.microsoft.com/office/powerpoint/2010/main" Requires="p14">
+        <mc:AlternateContent xmlns:mc="http://schemas.openxmlformats.org/markup-compatibility/2006" xmlns:p14="http://schemas.microsoft.com/office/powerpoint/2010/main">
+          <mc:Choice Requires="p14">
             <p:contentPart p14:bwMode="auto" r:id="rId7">
               <p14:nvContentPartPr>
                 <p14:cNvPr id="7" name="잉크 6">
@@ -5015,7 +5016,7 @@
               </p14:xfrm>
             </p:contentPart>
           </mc:Choice>
-          <mc:Fallback>
+          <mc:Fallback xmlns="">
             <p:pic>
               <p:nvPicPr>
                 <p:cNvPr id="7" name="잉크 6">
@@ -5046,8 +5047,8 @@
             </p:pic>
           </mc:Fallback>
         </mc:AlternateContent>
-        <mc:AlternateContent xmlns:mc="http://schemas.openxmlformats.org/markup-compatibility/2006">
-          <mc:Choice xmlns:p14="http://schemas.microsoft.com/office/powerpoint/2010/main" Requires="p14">
+        <mc:AlternateContent xmlns:mc="http://schemas.openxmlformats.org/markup-compatibility/2006" xmlns:p14="http://schemas.microsoft.com/office/powerpoint/2010/main">
+          <mc:Choice Requires="p14">
             <p:contentPart p14:bwMode="auto" r:id="rId9">
               <p14:nvContentPartPr>
                 <p14:cNvPr id="12" name="잉크 11">
@@ -5066,7 +5067,7 @@
               </p14:xfrm>
             </p:contentPart>
           </mc:Choice>
-          <mc:Fallback>
+          <mc:Fallback xmlns="">
             <p:pic>
               <p:nvPicPr>
                 <p:cNvPr id="12" name="잉크 11">
@@ -5097,8 +5098,8 @@
             </p:pic>
           </mc:Fallback>
         </mc:AlternateContent>
-        <mc:AlternateContent xmlns:mc="http://schemas.openxmlformats.org/markup-compatibility/2006">
-          <mc:Choice xmlns:p14="http://schemas.microsoft.com/office/powerpoint/2010/main" Requires="p14">
+        <mc:AlternateContent xmlns:mc="http://schemas.openxmlformats.org/markup-compatibility/2006" xmlns:p14="http://schemas.microsoft.com/office/powerpoint/2010/main">
+          <mc:Choice Requires="p14">
             <p:contentPart p14:bwMode="auto" r:id="rId11">
               <p14:nvContentPartPr>
                 <p14:cNvPr id="13" name="잉크 12">
@@ -5117,7 +5118,7 @@
               </p14:xfrm>
             </p:contentPart>
           </mc:Choice>
-          <mc:Fallback>
+          <mc:Fallback xmlns="">
             <p:pic>
               <p:nvPicPr>
                 <p:cNvPr id="13" name="잉크 12">
@@ -5148,8 +5149,8 @@
             </p:pic>
           </mc:Fallback>
         </mc:AlternateContent>
-        <mc:AlternateContent xmlns:mc="http://schemas.openxmlformats.org/markup-compatibility/2006">
-          <mc:Choice xmlns:p14="http://schemas.microsoft.com/office/powerpoint/2010/main" Requires="p14">
+        <mc:AlternateContent xmlns:mc="http://schemas.openxmlformats.org/markup-compatibility/2006" xmlns:p14="http://schemas.microsoft.com/office/powerpoint/2010/main">
+          <mc:Choice Requires="p14">
             <p:contentPart p14:bwMode="auto" r:id="rId13">
               <p14:nvContentPartPr>
                 <p14:cNvPr id="14" name="잉크 13">
@@ -5168,7 +5169,7 @@
               </p14:xfrm>
             </p:contentPart>
           </mc:Choice>
-          <mc:Fallback>
+          <mc:Fallback xmlns="">
             <p:pic>
               <p:nvPicPr>
                 <p:cNvPr id="14" name="잉크 13">
@@ -5199,8 +5200,8 @@
             </p:pic>
           </mc:Fallback>
         </mc:AlternateContent>
-        <mc:AlternateContent xmlns:mc="http://schemas.openxmlformats.org/markup-compatibility/2006">
-          <mc:Choice xmlns:p14="http://schemas.microsoft.com/office/powerpoint/2010/main" Requires="p14">
+        <mc:AlternateContent xmlns:mc="http://schemas.openxmlformats.org/markup-compatibility/2006" xmlns:p14="http://schemas.microsoft.com/office/powerpoint/2010/main">
+          <mc:Choice Requires="p14">
             <p:contentPart p14:bwMode="auto" r:id="rId15">
               <p14:nvContentPartPr>
                 <p14:cNvPr id="18" name="잉크 17">
@@ -5219,7 +5220,7 @@
               </p14:xfrm>
             </p:contentPart>
           </mc:Choice>
-          <mc:Fallback>
+          <mc:Fallback xmlns="">
             <p:pic>
               <p:nvPicPr>
                 <p:cNvPr id="18" name="잉크 17">
@@ -5250,8 +5251,8 @@
             </p:pic>
           </mc:Fallback>
         </mc:AlternateContent>
-        <mc:AlternateContent xmlns:mc="http://schemas.openxmlformats.org/markup-compatibility/2006">
-          <mc:Choice xmlns:p14="http://schemas.microsoft.com/office/powerpoint/2010/main" Requires="p14">
+        <mc:AlternateContent xmlns:mc="http://schemas.openxmlformats.org/markup-compatibility/2006" xmlns:p14="http://schemas.microsoft.com/office/powerpoint/2010/main">
+          <mc:Choice Requires="p14">
             <p:contentPart p14:bwMode="auto" r:id="rId17">
               <p14:nvContentPartPr>
                 <p14:cNvPr id="19" name="잉크 18">
@@ -5270,7 +5271,7 @@
               </p14:xfrm>
             </p:contentPart>
           </mc:Choice>
-          <mc:Fallback>
+          <mc:Fallback xmlns="">
             <p:pic>
               <p:nvPicPr>
                 <p:cNvPr id="19" name="잉크 18">
@@ -5301,8 +5302,8 @@
             </p:pic>
           </mc:Fallback>
         </mc:AlternateContent>
-        <mc:AlternateContent xmlns:mc="http://schemas.openxmlformats.org/markup-compatibility/2006">
-          <mc:Choice xmlns:p14="http://schemas.microsoft.com/office/powerpoint/2010/main" Requires="p14">
+        <mc:AlternateContent xmlns:mc="http://schemas.openxmlformats.org/markup-compatibility/2006" xmlns:p14="http://schemas.microsoft.com/office/powerpoint/2010/main">
+          <mc:Choice Requires="p14">
             <p:contentPart p14:bwMode="auto" r:id="rId19">
               <p14:nvContentPartPr>
                 <p14:cNvPr id="21" name="잉크 20">
@@ -5321,7 +5322,7 @@
               </p14:xfrm>
             </p:contentPart>
           </mc:Choice>
-          <mc:Fallback>
+          <mc:Fallback xmlns="">
             <p:pic>
               <p:nvPicPr>
                 <p:cNvPr id="21" name="잉크 20">
@@ -5352,8 +5353,8 @@
             </p:pic>
           </mc:Fallback>
         </mc:AlternateContent>
-        <mc:AlternateContent xmlns:mc="http://schemas.openxmlformats.org/markup-compatibility/2006">
-          <mc:Choice xmlns:p14="http://schemas.microsoft.com/office/powerpoint/2010/main" Requires="p14">
+        <mc:AlternateContent xmlns:mc="http://schemas.openxmlformats.org/markup-compatibility/2006" xmlns:p14="http://schemas.microsoft.com/office/powerpoint/2010/main">
+          <mc:Choice Requires="p14">
             <p:contentPart p14:bwMode="auto" r:id="rId21">
               <p14:nvContentPartPr>
                 <p14:cNvPr id="27" name="잉크 26">
@@ -5372,7 +5373,7 @@
               </p14:xfrm>
             </p:contentPart>
           </mc:Choice>
-          <mc:Fallback>
+          <mc:Fallback xmlns="">
             <p:pic>
               <p:nvPicPr>
                 <p:cNvPr id="27" name="잉크 26">
@@ -5403,8 +5404,8 @@
             </p:pic>
           </mc:Fallback>
         </mc:AlternateContent>
-        <mc:AlternateContent xmlns:mc="http://schemas.openxmlformats.org/markup-compatibility/2006">
-          <mc:Choice xmlns:p14="http://schemas.microsoft.com/office/powerpoint/2010/main" Requires="p14">
+        <mc:AlternateContent xmlns:mc="http://schemas.openxmlformats.org/markup-compatibility/2006" xmlns:p14="http://schemas.microsoft.com/office/powerpoint/2010/main">
+          <mc:Choice Requires="p14">
             <p:contentPart p14:bwMode="auto" r:id="rId23">
               <p14:nvContentPartPr>
                 <p14:cNvPr id="28" name="잉크 27">
@@ -5423,7 +5424,7 @@
               </p14:xfrm>
             </p:contentPart>
           </mc:Choice>
-          <mc:Fallback>
+          <mc:Fallback xmlns="">
             <p:pic>
               <p:nvPicPr>
                 <p:cNvPr id="28" name="잉크 27">
@@ -5454,8 +5455,8 @@
             </p:pic>
           </mc:Fallback>
         </mc:AlternateContent>
-        <mc:AlternateContent xmlns:mc="http://schemas.openxmlformats.org/markup-compatibility/2006">
-          <mc:Choice xmlns:p14="http://schemas.microsoft.com/office/powerpoint/2010/main" Requires="p14">
+        <mc:AlternateContent xmlns:mc="http://schemas.openxmlformats.org/markup-compatibility/2006" xmlns:p14="http://schemas.microsoft.com/office/powerpoint/2010/main">
+          <mc:Choice Requires="p14">
             <p:contentPart p14:bwMode="auto" r:id="rId25">
               <p14:nvContentPartPr>
                 <p14:cNvPr id="29" name="잉크 28">
@@ -5474,7 +5475,7 @@
               </p14:xfrm>
             </p:contentPart>
           </mc:Choice>
-          <mc:Fallback>
+          <mc:Fallback xmlns="">
             <p:pic>
               <p:nvPicPr>
                 <p:cNvPr id="29" name="잉크 28">
@@ -5505,8 +5506,8 @@
             </p:pic>
           </mc:Fallback>
         </mc:AlternateContent>
-        <mc:AlternateContent xmlns:mc="http://schemas.openxmlformats.org/markup-compatibility/2006">
-          <mc:Choice xmlns:p14="http://schemas.microsoft.com/office/powerpoint/2010/main" Requires="p14">
+        <mc:AlternateContent xmlns:mc="http://schemas.openxmlformats.org/markup-compatibility/2006" xmlns:p14="http://schemas.microsoft.com/office/powerpoint/2010/main">
+          <mc:Choice Requires="p14">
             <p:contentPart p14:bwMode="auto" r:id="rId27">
               <p14:nvContentPartPr>
                 <p14:cNvPr id="32" name="잉크 31">
@@ -5525,7 +5526,7 @@
               </p14:xfrm>
             </p:contentPart>
           </mc:Choice>
-          <mc:Fallback>
+          <mc:Fallback xmlns="">
             <p:pic>
               <p:nvPicPr>
                 <p:cNvPr id="32" name="잉크 31">
@@ -5556,8 +5557,8 @@
             </p:pic>
           </mc:Fallback>
         </mc:AlternateContent>
-        <mc:AlternateContent xmlns:mc="http://schemas.openxmlformats.org/markup-compatibility/2006">
-          <mc:Choice xmlns:p14="http://schemas.microsoft.com/office/powerpoint/2010/main" Requires="p14">
+        <mc:AlternateContent xmlns:mc="http://schemas.openxmlformats.org/markup-compatibility/2006" xmlns:p14="http://schemas.microsoft.com/office/powerpoint/2010/main">
+          <mc:Choice Requires="p14">
             <p:contentPart p14:bwMode="auto" r:id="rId29">
               <p14:nvContentPartPr>
                 <p14:cNvPr id="33" name="잉크 32">
@@ -5576,7 +5577,7 @@
               </p14:xfrm>
             </p:contentPart>
           </mc:Choice>
-          <mc:Fallback>
+          <mc:Fallback xmlns="">
             <p:pic>
               <p:nvPicPr>
                 <p:cNvPr id="33" name="잉크 32">
@@ -5607,8 +5608,8 @@
             </p:pic>
           </mc:Fallback>
         </mc:AlternateContent>
-        <mc:AlternateContent xmlns:mc="http://schemas.openxmlformats.org/markup-compatibility/2006">
-          <mc:Choice xmlns:p14="http://schemas.microsoft.com/office/powerpoint/2010/main" Requires="p14">
+        <mc:AlternateContent xmlns:mc="http://schemas.openxmlformats.org/markup-compatibility/2006" xmlns:p14="http://schemas.microsoft.com/office/powerpoint/2010/main">
+          <mc:Choice Requires="p14">
             <p:contentPart p14:bwMode="auto" r:id="rId31">
               <p14:nvContentPartPr>
                 <p14:cNvPr id="34" name="잉크 33">
@@ -5627,7 +5628,7 @@
               </p14:xfrm>
             </p:contentPart>
           </mc:Choice>
-          <mc:Fallback>
+          <mc:Fallback xmlns="">
             <p:pic>
               <p:nvPicPr>
                 <p:cNvPr id="34" name="잉크 33">
@@ -5679,8 +5680,8 @@
             <a:chExt cx="568440" cy="1039320"/>
           </a:xfrm>
         </p:grpSpPr>
-        <mc:AlternateContent xmlns:mc="http://schemas.openxmlformats.org/markup-compatibility/2006">
-          <mc:Choice xmlns:p14="http://schemas.microsoft.com/office/powerpoint/2010/main" Requires="p14">
+        <mc:AlternateContent xmlns:mc="http://schemas.openxmlformats.org/markup-compatibility/2006" xmlns:p14="http://schemas.microsoft.com/office/powerpoint/2010/main">
+          <mc:Choice Requires="p14">
             <p:contentPart p14:bwMode="auto" r:id="rId33">
               <p14:nvContentPartPr>
                 <p14:cNvPr id="36" name="잉크 35">
@@ -5699,7 +5700,7 @@
               </p14:xfrm>
             </p:contentPart>
           </mc:Choice>
-          <mc:Fallback>
+          <mc:Fallback xmlns="">
             <p:pic>
               <p:nvPicPr>
                 <p:cNvPr id="36" name="잉크 35">
@@ -5730,8 +5731,8 @@
             </p:pic>
           </mc:Fallback>
         </mc:AlternateContent>
-        <mc:AlternateContent xmlns:mc="http://schemas.openxmlformats.org/markup-compatibility/2006">
-          <mc:Choice xmlns:p14="http://schemas.microsoft.com/office/powerpoint/2010/main" Requires="p14">
+        <mc:AlternateContent xmlns:mc="http://schemas.openxmlformats.org/markup-compatibility/2006" xmlns:p14="http://schemas.microsoft.com/office/powerpoint/2010/main">
+          <mc:Choice Requires="p14">
             <p:contentPart p14:bwMode="auto" r:id="rId35">
               <p14:nvContentPartPr>
                 <p14:cNvPr id="37" name="잉크 36">
@@ -5750,7 +5751,7 @@
               </p14:xfrm>
             </p:contentPart>
           </mc:Choice>
-          <mc:Fallback>
+          <mc:Fallback xmlns="">
             <p:pic>
               <p:nvPicPr>
                 <p:cNvPr id="37" name="잉크 36">
@@ -6479,10 +6480,84 @@
           <a:chExt cx="0" cy="0"/>
         </a:xfrm>
       </p:grpSpPr>
+      <p:sp>
+        <p:nvSpPr>
+          <p:cNvPr id="3" name="직사각형 2">
+            <a:extLst>
+              <a:ext uri="{FF2B5EF4-FFF2-40B4-BE49-F238E27FC236}">
+                <a16:creationId xmlns:a16="http://schemas.microsoft.com/office/drawing/2014/main" id="{A5840210-0674-BA1E-A813-66127759208E}"/>
+              </a:ext>
+            </a:extLst>
+          </p:cNvPr>
+          <p:cNvSpPr/>
+          <p:nvPr/>
+        </p:nvSpPr>
+        <p:spPr>
+          <a:xfrm>
+            <a:off x="434109" y="528782"/>
+            <a:ext cx="11323782" cy="5800436"/>
+          </a:xfrm>
+          <a:prstGeom prst="rect">
+            <a:avLst/>
+          </a:prstGeom>
+        </p:spPr>
+        <p:style>
+          <a:lnRef idx="2">
+            <a:schemeClr val="accent1">
+              <a:shade val="15000"/>
+            </a:schemeClr>
+          </a:lnRef>
+          <a:fillRef idx="1">
+            <a:schemeClr val="accent1"/>
+          </a:fillRef>
+          <a:effectRef idx="0">
+            <a:schemeClr val="accent1"/>
+          </a:effectRef>
+          <a:fontRef idx="minor">
+            <a:schemeClr val="lt1"/>
+          </a:fontRef>
+        </p:style>
+        <p:txBody>
+          <a:bodyPr rtlCol="0" anchor="ctr"/>
+          <a:lstStyle/>
+          <a:p>
+            <a:pPr algn="ctr"/>
+            <a:r>
+              <a:rPr lang="en-US" altLang="ko-KR" dirty="0"/>
+              <a:t>GITHUB </a:t>
+            </a:r>
+            <a:r>
+              <a:rPr lang="ko-KR" altLang="en-US" dirty="0"/>
+              <a:t>에</a:t>
+            </a:r>
+            <a:r>
+              <a:rPr lang="en-US" altLang="ko-KR" dirty="0"/>
+              <a:t> </a:t>
+            </a:r>
+            <a:r>
+              <a:rPr lang="ko-KR" altLang="en-US" dirty="0" err="1"/>
+              <a:t>커밋이</a:t>
+            </a:r>
+            <a:r>
+              <a:rPr lang="ko-KR" altLang="en-US" dirty="0"/>
+              <a:t> 안되면 </a:t>
+            </a:r>
+            <a:r>
+              <a:rPr lang="ko-KR" altLang="en-US" dirty="0" err="1"/>
+              <a:t>확인할것</a:t>
+            </a:r>
+            <a:r>
+              <a:rPr lang="en-US" altLang="ko-KR" dirty="0"/>
+              <a:t>.</a:t>
+            </a:r>
+            <a:endParaRPr lang="ko-KR" altLang="en-US" dirty="0"/>
+          </a:p>
+        </p:txBody>
+      </p:sp>
     </p:spTree>
     <p:extLst>
       <p:ext uri="{BB962C8B-B14F-4D97-AF65-F5344CB8AC3E}">
-        <p14:creationId xmlns:p14="http://schemas.microsoft.com/office/powerpoint/2010/main" val="2922741870"/>
+        <p14:creationId xmlns:p14="http://schemas.microsoft.com/office/powerpoint/2010/main" val="4069648628"/>
       </p:ext>
     </p:extLst>
   </p:cSld>
@@ -6509,10 +6584,40 @@
           <a:chExt cx="0" cy="0"/>
         </a:xfrm>
       </p:grpSpPr>
+      <p:pic>
+        <p:nvPicPr>
+          <p:cNvPr id="3" name="그림 2">
+            <a:extLst>
+              <a:ext uri="{FF2B5EF4-FFF2-40B4-BE49-F238E27FC236}">
+                <a16:creationId xmlns:a16="http://schemas.microsoft.com/office/drawing/2014/main" id="{78956902-CBE1-79F7-CF47-F2E3F98CDAE4}"/>
+              </a:ext>
+            </a:extLst>
+          </p:cNvPr>
+          <p:cNvPicPr>
+            <a:picLocks noChangeAspect="1"/>
+          </p:cNvPicPr>
+          <p:nvPr/>
+        </p:nvPicPr>
+        <p:blipFill>
+          <a:blip r:embed="rId2"/>
+          <a:stretch>
+            <a:fillRect/>
+          </a:stretch>
+        </p:blipFill>
+        <p:spPr>
+          <a:xfrm>
+            <a:off x="259144" y="493649"/>
+            <a:ext cx="6944694" cy="5039428"/>
+          </a:xfrm>
+          <a:prstGeom prst="rect">
+            <a:avLst/>
+          </a:prstGeom>
+        </p:spPr>
+      </p:pic>
     </p:spTree>
     <p:extLst>
       <p:ext uri="{BB962C8B-B14F-4D97-AF65-F5344CB8AC3E}">
-        <p14:creationId xmlns:p14="http://schemas.microsoft.com/office/powerpoint/2010/main" val="562433397"/>
+        <p14:creationId xmlns:p14="http://schemas.microsoft.com/office/powerpoint/2010/main" val="2922741870"/>
       </p:ext>
     </p:extLst>
   </p:cSld>
@@ -6539,6 +6644,189 @@
           <a:chExt cx="0" cy="0"/>
         </a:xfrm>
       </p:grpSpPr>
+      <p:pic>
+        <p:nvPicPr>
+          <p:cNvPr id="3" name="그림 2">
+            <a:extLst>
+              <a:ext uri="{FF2B5EF4-FFF2-40B4-BE49-F238E27FC236}">
+                <a16:creationId xmlns:a16="http://schemas.microsoft.com/office/drawing/2014/main" id="{07745287-A315-260C-2574-2D457C3ED3CC}"/>
+              </a:ext>
+            </a:extLst>
+          </p:cNvPr>
+          <p:cNvPicPr>
+            <a:picLocks noChangeAspect="1"/>
+          </p:cNvPicPr>
+          <p:nvPr/>
+        </p:nvPicPr>
+        <p:blipFill>
+          <a:blip r:embed="rId2"/>
+          <a:stretch>
+            <a:fillRect/>
+          </a:stretch>
+        </p:blipFill>
+        <p:spPr>
+          <a:xfrm>
+            <a:off x="484632" y="947391"/>
+            <a:ext cx="3962953" cy="4963218"/>
+          </a:xfrm>
+          <a:prstGeom prst="rect">
+            <a:avLst/>
+          </a:prstGeom>
+        </p:spPr>
+      </p:pic>
+      <p:sp>
+        <p:nvSpPr>
+          <p:cNvPr id="4" name="TextBox 3">
+            <a:extLst>
+              <a:ext uri="{FF2B5EF4-FFF2-40B4-BE49-F238E27FC236}">
+                <a16:creationId xmlns:a16="http://schemas.microsoft.com/office/drawing/2014/main" id="{A2CFB0C2-28C7-3DFA-ADFF-88D7BDBA0430}"/>
+              </a:ext>
+            </a:extLst>
+          </p:cNvPr>
+          <p:cNvSpPr txBox="1"/>
+          <p:nvPr/>
+        </p:nvSpPr>
+        <p:spPr>
+          <a:xfrm>
+            <a:off x="5116946" y="877455"/>
+            <a:ext cx="6602484" cy="3693319"/>
+          </a:xfrm>
+          <a:prstGeom prst="rect">
+            <a:avLst/>
+          </a:prstGeom>
+          <a:noFill/>
+        </p:spPr>
+        <p:txBody>
+          <a:bodyPr wrap="square" rtlCol="0">
+            <a:spAutoFit/>
+          </a:bodyPr>
+          <a:lstStyle/>
+          <a:p>
+            <a:r>
+              <a:rPr lang="ko-KR" altLang="en-US" dirty="0" err="1"/>
+              <a:t>이상한게</a:t>
+            </a:r>
+            <a:r>
+              <a:rPr lang="ko-KR" altLang="en-US" dirty="0"/>
+              <a:t> </a:t>
+            </a:r>
+            <a:r>
+              <a:rPr lang="ko-KR" altLang="en-US" dirty="0" err="1"/>
+              <a:t>올라가는게</a:t>
+            </a:r>
+            <a:r>
+              <a:rPr lang="ko-KR" altLang="en-US" dirty="0"/>
+              <a:t> 보인다면</a:t>
+            </a:r>
+            <a:endParaRPr lang="en-US" altLang="ko-KR" dirty="0"/>
+          </a:p>
+          <a:p>
+            <a:endParaRPr lang="en-US" altLang="ko-KR" dirty="0"/>
+          </a:p>
+          <a:p>
+            <a:r>
+              <a:rPr lang="en-US" altLang="ko-KR" dirty="0"/>
+              <a:t>.</a:t>
+            </a:r>
+            <a:r>
+              <a:rPr lang="en-US" altLang="ko-KR" dirty="0" err="1"/>
+              <a:t>bdp</a:t>
+            </a:r>
+            <a:endParaRPr lang="en-US" altLang="ko-KR" dirty="0"/>
+          </a:p>
+          <a:p>
+            <a:endParaRPr lang="en-US" altLang="ko-KR" dirty="0"/>
+          </a:p>
+          <a:p>
+            <a:r>
+              <a:rPr lang="en-US" altLang="ko-KR" dirty="0"/>
+              <a:t>378219-312321-3123-132</a:t>
+            </a:r>
+          </a:p>
+          <a:p>
+            <a:endParaRPr lang="en-US" altLang="ko-KR" dirty="0"/>
+          </a:p>
+          <a:p>
+            <a:r>
+              <a:rPr lang="en-US" altLang="ko-KR" dirty="0"/>
+              <a:t>.exe</a:t>
+            </a:r>
+            <a:r>
+              <a:rPr lang="ko-KR" altLang="en-US" dirty="0"/>
+              <a:t> </a:t>
+            </a:r>
+            <a:r>
+              <a:rPr lang="ko-KR" altLang="en-US" dirty="0" err="1"/>
+              <a:t>이런게</a:t>
+            </a:r>
+            <a:r>
+              <a:rPr lang="ko-KR" altLang="en-US" dirty="0"/>
+              <a:t> 올라간다</a:t>
+            </a:r>
+            <a:r>
+              <a:rPr lang="en-US" altLang="ko-KR" dirty="0"/>
+              <a:t>.</a:t>
+            </a:r>
+          </a:p>
+          <a:p>
+            <a:endParaRPr lang="en-US" altLang="ko-KR" dirty="0"/>
+          </a:p>
+          <a:p>
+            <a:r>
+              <a:rPr lang="ko-KR" altLang="en-US" dirty="0"/>
+              <a:t>용량제한 </a:t>
+            </a:r>
+            <a:endParaRPr lang="en-US" altLang="ko-KR" dirty="0"/>
+          </a:p>
+          <a:p>
+            <a:endParaRPr lang="en-US" altLang="ko-KR" dirty="0"/>
+          </a:p>
+          <a:p>
+            <a:r>
+              <a:rPr lang="ko-KR" altLang="en-US" dirty="0"/>
+              <a:t>꼭 </a:t>
+            </a:r>
+            <a:r>
+              <a:rPr lang="ko-KR" altLang="en-US" dirty="0" err="1"/>
+              <a:t>이그노어</a:t>
+            </a:r>
+            <a:r>
+              <a:rPr lang="ko-KR" altLang="en-US" dirty="0"/>
+              <a:t> 설정해서 </a:t>
+            </a:r>
+            <a:r>
+              <a:rPr lang="en-US" altLang="ko-KR" dirty="0"/>
+              <a:t>visual studio</a:t>
+            </a:r>
+            <a:r>
+              <a:rPr lang="ko-KR" altLang="en-US" dirty="0"/>
+              <a:t>를 설정하자</a:t>
+            </a:r>
+            <a:r>
+              <a:rPr lang="en-US" altLang="ko-KR" dirty="0"/>
+              <a:t>.</a:t>
+            </a:r>
+          </a:p>
+          <a:p>
+            <a:endParaRPr lang="en-US" altLang="ko-KR" dirty="0"/>
+          </a:p>
+          <a:p>
+            <a:r>
+              <a:rPr lang="en-US" altLang="ko-KR" dirty="0"/>
+              <a:t>.vs </a:t>
+            </a:r>
+            <a:r>
+              <a:rPr lang="ko-KR" altLang="en-US" dirty="0"/>
+              <a:t>용량제한이 걸린다</a:t>
+            </a:r>
+            <a:r>
+              <a:rPr lang="en-US" altLang="ko-KR" dirty="0"/>
+              <a:t>.</a:t>
+            </a:r>
+            <a:endParaRPr lang="ko-KR" altLang="en-US" dirty="0"/>
+          </a:p>
+        </p:txBody>
+      </p:sp>
     </p:spTree>
     <p:extLst>
       <p:ext uri="{BB962C8B-B14F-4D97-AF65-F5344CB8AC3E}">
@@ -6553,6 +6841,190 @@
 </file>
 
 <file path=ppt/slides/slide18.xml><?xml version="1.0" encoding="utf-8"?>
+<p:sld xmlns:a="http://schemas.openxmlformats.org/drawingml/2006/main" xmlns:r="http://schemas.openxmlformats.org/officeDocument/2006/relationships" xmlns:p="http://schemas.openxmlformats.org/presentationml/2006/main">
+  <p:cSld>
+    <p:spTree>
+      <p:nvGrpSpPr>
+        <p:cNvPr id="1" name=""/>
+        <p:cNvGrpSpPr/>
+        <p:nvPr/>
+      </p:nvGrpSpPr>
+      <p:grpSpPr>
+        <a:xfrm>
+          <a:off x="0" y="0"/>
+          <a:ext cx="0" cy="0"/>
+          <a:chOff x="0" y="0"/>
+          <a:chExt cx="0" cy="0"/>
+        </a:xfrm>
+      </p:grpSpPr>
+      <p:pic>
+        <p:nvPicPr>
+          <p:cNvPr id="3" name="그림 2">
+            <a:extLst>
+              <a:ext uri="{FF2B5EF4-FFF2-40B4-BE49-F238E27FC236}">
+                <a16:creationId xmlns:a16="http://schemas.microsoft.com/office/drawing/2014/main" id="{245A1FC3-AC08-4F8A-618A-9DF9FC0839AB}"/>
+              </a:ext>
+            </a:extLst>
+          </p:cNvPr>
+          <p:cNvPicPr>
+            <a:picLocks noChangeAspect="1"/>
+          </p:cNvPicPr>
+          <p:nvPr/>
+        </p:nvPicPr>
+        <p:blipFill>
+          <a:blip r:embed="rId2"/>
+          <a:stretch>
+            <a:fillRect/>
+          </a:stretch>
+        </p:blipFill>
+        <p:spPr>
+          <a:xfrm>
+            <a:off x="340944" y="1271286"/>
+            <a:ext cx="7335274" cy="4315427"/>
+          </a:xfrm>
+          <a:prstGeom prst="rect">
+            <a:avLst/>
+          </a:prstGeom>
+        </p:spPr>
+      </p:pic>
+      <p:sp>
+        <p:nvSpPr>
+          <p:cNvPr id="4" name="TextBox 3">
+            <a:extLst>
+              <a:ext uri="{FF2B5EF4-FFF2-40B4-BE49-F238E27FC236}">
+                <a16:creationId xmlns:a16="http://schemas.microsoft.com/office/drawing/2014/main" id="{7BE04A48-B12E-3483-4CC3-54F95633A93F}"/>
+              </a:ext>
+            </a:extLst>
+          </p:cNvPr>
+          <p:cNvSpPr txBox="1"/>
+          <p:nvPr/>
+        </p:nvSpPr>
+        <p:spPr>
+          <a:xfrm>
+            <a:off x="7924800" y="877455"/>
+            <a:ext cx="3794629" cy="3693319"/>
+          </a:xfrm>
+          <a:prstGeom prst="rect">
+            <a:avLst/>
+          </a:prstGeom>
+          <a:noFill/>
+        </p:spPr>
+        <p:txBody>
+          <a:bodyPr wrap="none" rtlCol="0">
+            <a:spAutoFit/>
+          </a:bodyPr>
+          <a:lstStyle/>
+          <a:p>
+            <a:r>
+              <a:rPr lang="ko-KR" altLang="en-US" dirty="0"/>
+              <a:t>아이디 확인해보자</a:t>
+            </a:r>
+            <a:r>
+              <a:rPr lang="en-US" altLang="ko-KR" dirty="0"/>
+              <a:t>.</a:t>
+            </a:r>
+          </a:p>
+          <a:p>
+            <a:endParaRPr lang="en-US" altLang="ko-KR" dirty="0"/>
+          </a:p>
+          <a:p>
+            <a:r>
+              <a:rPr lang="en-US" altLang="ko-KR" dirty="0" err="1"/>
+              <a:t>Github</a:t>
+            </a:r>
+            <a:r>
+              <a:rPr lang="en-US" altLang="ko-KR" dirty="0"/>
+              <a:t> </a:t>
+            </a:r>
+            <a:r>
+              <a:rPr lang="ko-KR" altLang="en-US" dirty="0"/>
+              <a:t>아이디가 아니면</a:t>
+            </a:r>
+            <a:endParaRPr lang="en-US" altLang="ko-KR" dirty="0"/>
+          </a:p>
+          <a:p>
+            <a:endParaRPr lang="en-US" altLang="ko-KR" dirty="0"/>
+          </a:p>
+          <a:p>
+            <a:r>
+              <a:rPr lang="ko-KR" altLang="en-US" dirty="0"/>
+              <a:t>변경해주면 된다</a:t>
+            </a:r>
+            <a:r>
+              <a:rPr lang="en-US" altLang="ko-KR" dirty="0"/>
+              <a:t>.</a:t>
+            </a:r>
+          </a:p>
+          <a:p>
+            <a:endParaRPr lang="en-US" altLang="ko-KR" dirty="0"/>
+          </a:p>
+          <a:p>
+            <a:r>
+              <a:rPr lang="ko-KR" altLang="en-US" dirty="0"/>
+              <a:t>이변경이 잘 안되면 다음을 해보자</a:t>
+            </a:r>
+            <a:r>
+              <a:rPr lang="en-US" altLang="ko-KR" dirty="0"/>
+              <a:t>.</a:t>
+            </a:r>
+          </a:p>
+          <a:p>
+            <a:endParaRPr lang="en-US" altLang="ko-KR" dirty="0"/>
+          </a:p>
+          <a:p>
+            <a:r>
+              <a:rPr lang="ko-KR" altLang="en-US" dirty="0"/>
+              <a:t>바꿨는데도 안된다</a:t>
+            </a:r>
+            <a:r>
+              <a:rPr lang="en-US" altLang="ko-KR" dirty="0"/>
+              <a:t>.</a:t>
+            </a:r>
+          </a:p>
+          <a:p>
+            <a:endParaRPr lang="en-US" altLang="ko-KR" dirty="0"/>
+          </a:p>
+          <a:p>
+            <a:r>
+              <a:rPr lang="en-US" altLang="ko-KR" dirty="0" err="1"/>
+              <a:t>Github</a:t>
+            </a:r>
+            <a:r>
+              <a:rPr lang="ko-KR" altLang="en-US" dirty="0"/>
+              <a:t>로그인을 기억하고 있는걸</a:t>
+            </a:r>
+            <a:endParaRPr lang="en-US" altLang="ko-KR" dirty="0"/>
+          </a:p>
+          <a:p>
+            <a:endParaRPr lang="en-US" altLang="ko-KR" dirty="0"/>
+          </a:p>
+          <a:p>
+            <a:r>
+              <a:rPr lang="ko-KR" altLang="en-US" dirty="0"/>
+              <a:t>날려서 다시 로그인 하자</a:t>
+            </a:r>
+            <a:r>
+              <a:rPr lang="en-US" altLang="ko-KR"/>
+              <a:t>.</a:t>
+            </a:r>
+            <a:endParaRPr lang="ko-KR" altLang="en-US" dirty="0"/>
+          </a:p>
+        </p:txBody>
+      </p:sp>
+    </p:spTree>
+    <p:extLst>
+      <p:ext uri="{BB962C8B-B14F-4D97-AF65-F5344CB8AC3E}">
+        <p14:creationId xmlns:p14="http://schemas.microsoft.com/office/powerpoint/2010/main" val="562433397"/>
+      </p:ext>
+    </p:extLst>
+  </p:cSld>
+  <p:clrMapOvr>
+    <a:masterClrMapping/>
+  </p:clrMapOvr>
+</p:sld>
+</file>
+
+<file path=ppt/slides/slide19.xml><?xml version="1.0" encoding="utf-8"?>
 <p:sld xmlns:a="http://schemas.openxmlformats.org/drawingml/2006/main" xmlns:r="http://schemas.openxmlformats.org/officeDocument/2006/relationships" xmlns:p="http://schemas.openxmlformats.org/presentationml/2006/main">
   <p:cSld>
     <p:spTree>

--- a/DOC/공통문서/github 사용법.pptx
+++ b/DOC/공통문서/github 사용법.pptx
@@ -24,6 +24,9 @@
     <p:sldId id="319" r:id="rId18"/>
     <p:sldId id="318" r:id="rId19"/>
     <p:sldId id="320" r:id="rId20"/>
+    <p:sldId id="322" r:id="rId21"/>
+    <p:sldId id="323" r:id="rId22"/>
+    <p:sldId id="324" r:id="rId23"/>
   </p:sldIdLst>
   <p:sldSz cx="12192000" cy="6858000"/>
   <p:notesSz cx="6858000" cy="9144000"/>
@@ -830,6 +833,118 @@
 </inkml:ink>
 </file>
 
+<file path=ppt/ink/ink32.xml><?xml version="1.0" encoding="utf-8"?>
+<inkml:ink xmlns:inkml="http://www.w3.org/2003/InkML">
+  <inkml:definitions>
+    <inkml:context xml:id="ctx0">
+      <inkml:inkSource xml:id="inkSrc0">
+        <inkml:traceFormat>
+          <inkml:channel name="X" type="integer" min="-2.14748E9" max="2.14748E9" units="cm"/>
+          <inkml:channel name="Y" type="integer" min="-2.14748E9" max="2.14748E9" units="cm"/>
+          <inkml:channel name="F" type="integer" max="32767" units="dev"/>
+        </inkml:traceFormat>
+        <inkml:channelProperties>
+          <inkml:channelProperty channel="X" name="resolution" value="1000" units="1/cm"/>
+          <inkml:channelProperty channel="Y" name="resolution" value="1000" units="1/cm"/>
+          <inkml:channelProperty channel="F" name="resolution" value="0" units="1/dev"/>
+        </inkml:channelProperties>
+      </inkml:inkSource>
+      <inkml:timestamp xml:id="ts0" timeString="2024-09-23T06:09:12.682"/>
+    </inkml:context>
+    <inkml:brush xml:id="br0">
+      <inkml:brushProperty name="width" value="0.035" units="cm"/>
+      <inkml:brushProperty name="height" value="0.035" units="cm"/>
+      <inkml:brushProperty name="color" value="#E71224"/>
+    </inkml:brush>
+  </inkml:definitions>
+  <inkml:trace contextRef="#ctx0" brushRef="#br0">1773 33 24575,'-49'0'0,"-6"1"0,-1-3 0,-94-13 0,87 6 0,0 4 0,-1 2 0,-74 7 0,13-2 0,52-2 0,-129 16 0,151-7 0,-272 54 0,212-39 0,-34 10 0,141-32 0,1-1 0,-1 1 0,1 0 0,0 0 0,0 0 0,0 0 0,0 0 0,0 1 0,0-1 0,1 1 0,-1 0 0,1 0 0,0 0 0,0 0 0,0 0 0,0 0 0,-2 6 0,-2 6 0,1 1 0,-6 30 0,-2 5 0,9-43 0,1 0 0,0 1 0,1 0 0,0 0 0,0-1 0,1 1 0,0 0 0,1 0 0,0 0 0,0 0 0,1 0 0,0 0 0,1 0 0,-1 0 0,2 0 0,-1-1 0,1 1 0,1-1 0,0 0 0,0 0 0,0 0 0,1 0 0,0-1 0,1 0 0,7 8 0,23 18 0,1-2 0,2-2 0,0-1 0,2-3 0,1-1 0,1-1 0,85 29 0,-65-30 0,1-3 0,84 14 0,-10-10 0,1-6 0,153-2 0,-205-15 0,131 15 0,-106-5 0,198-8 0,-150-4 0,-149 2 0,55 0 0,132-16 0,77-10 0,90-30 0,-84 24 0,-102 6 0,-133 18 0,-1-2 0,64-23 0,-47 13 0,-36 11 0,0 0 0,0-2 0,-1-1 0,0-1 0,-1-1 0,0-1 0,-2-1 0,0-1 0,26-25 0,-47 41 0,1-1 0,0 0 0,-1 0 0,1 0 0,-1 0 0,0 0 0,1 0 0,-1 0 0,0 0 0,0 0 0,0-1 0,-1 1 0,1 0 0,0-1 0,-1 1 0,0-1 0,1 1 0,-1 0 0,0-1 0,0 1 0,-1-1 0,1 1 0,0-1 0,-1 1 0,1 0 0,-1-1 0,0 1 0,0 0 0,0 0 0,0 0 0,0-1 0,-1 1 0,1 0 0,0 0 0,-1 1 0,0-1 0,1 0 0,-1 0 0,0 1 0,-2-2 0,-10-8 0,0 1 0,-1 0 0,0 1 0,-24-11 0,21 12 0,-36-21 0,11 6 0,0 2 0,-47-16 0,27 15 0,-1 3 0,0 3 0,-1 2 0,-1 4 0,-76-3 0,110 11 0,-52-9 0,52 6 0,-51-2 0,-47 9 0,-99-4 0,144-10 0,54 6 0,-58-2 0,22 7 0,-1 2 0,-125-16 0,116 7 0,-1 3 0,-107 6 0,58 1 0,112-1-309,1 1 0,-1 0 0,-26 8 0,39-9 180,-15 3-6697</inkml:trace>
+</inkml:ink>
+</file>
+
+<file path=ppt/ink/ink33.xml><?xml version="1.0" encoding="utf-8"?>
+<inkml:ink xmlns:inkml="http://www.w3.org/2003/InkML">
+  <inkml:definitions>
+    <inkml:context xml:id="ctx0">
+      <inkml:inkSource xml:id="inkSrc0">
+        <inkml:traceFormat>
+          <inkml:channel name="X" type="integer" min="-2.14748E9" max="2.14748E9" units="cm"/>
+          <inkml:channel name="Y" type="integer" min="-2.14748E9" max="2.14748E9" units="cm"/>
+          <inkml:channel name="F" type="integer" max="32767" units="dev"/>
+        </inkml:traceFormat>
+        <inkml:channelProperties>
+          <inkml:channelProperty channel="X" name="resolution" value="1000" units="1/cm"/>
+          <inkml:channelProperty channel="Y" name="resolution" value="1000" units="1/cm"/>
+          <inkml:channelProperty channel="F" name="resolution" value="0" units="1/dev"/>
+        </inkml:channelProperties>
+      </inkml:inkSource>
+      <inkml:timestamp xml:id="ts0" timeString="2024-09-23T06:10:53.428"/>
+    </inkml:context>
+    <inkml:brush xml:id="br0">
+      <inkml:brushProperty name="width" value="0.035" units="cm"/>
+      <inkml:brushProperty name="height" value="0.035" units="cm"/>
+      <inkml:brushProperty name="color" value="#E71224"/>
+    </inkml:brush>
+  </inkml:definitions>
+  <inkml:trace contextRef="#ctx0" brushRef="#br0">1 1234 24575,'0'-6'0,"1"1"0,0-1 0,1 0 0,-1 1 0,1 0 0,0-1 0,0 1 0,1 0 0,0 0 0,0 0 0,0 0 0,0 1 0,1-1 0,4-4 0,12-11 0,35-29 0,-31 29 0,44-35 0,3 4 0,2 3 0,97-49 0,-107 64 0,202-98 0,334-106 0,-421 169 0,25 1-328,378-74 1,-233 85 327,447-16 0,-210 66-10,-340 7 129,-184 3 23,0 3-1,0 2 1,95 27-1,70 11-161,-130-29 20,-2 5 0,101 37 0,18 4 0,-97-26 0,-87-26 0,0-2 0,0-2 0,0 0 0,1-2 0,0-1 0,35 1 0,-38-7 0,0 2 0,0 0 0,0 2 0,0 2 0,47 12 0,205 93 0,-277-109 0,0-1-114,0 1 1,0 0-1,0 0 0,0 0 0,0 0 1,0 1-1,-1-1 0,1 0 0,0 1 1,-1 0-1,3 1 0,1 6-6712</inkml:trace>
+</inkml:ink>
+</file>
+
+<file path=ppt/ink/ink34.xml><?xml version="1.0" encoding="utf-8"?>
+<inkml:ink xmlns:inkml="http://www.w3.org/2003/InkML">
+  <inkml:definitions>
+    <inkml:context xml:id="ctx0">
+      <inkml:inkSource xml:id="inkSrc0">
+        <inkml:traceFormat>
+          <inkml:channel name="X" type="integer" min="-2.14748E9" max="2.14748E9" units="cm"/>
+          <inkml:channel name="Y" type="integer" min="-2.14748E9" max="2.14748E9" units="cm"/>
+          <inkml:channel name="F" type="integer" max="32767" units="dev"/>
+        </inkml:traceFormat>
+        <inkml:channelProperties>
+          <inkml:channelProperty channel="X" name="resolution" value="1000" units="1/cm"/>
+          <inkml:channelProperty channel="Y" name="resolution" value="1000" units="1/cm"/>
+          <inkml:channelProperty channel="F" name="resolution" value="0" units="1/dev"/>
+        </inkml:channelProperties>
+      </inkml:inkSource>
+      <inkml:timestamp xml:id="ts0" timeString="2024-09-23T06:10:54.248"/>
+    </inkml:context>
+    <inkml:brush xml:id="br0">
+      <inkml:brushProperty name="width" value="0.035" units="cm"/>
+      <inkml:brushProperty name="height" value="0.035" units="cm"/>
+      <inkml:brushProperty name="color" value="#E71224"/>
+    </inkml:brush>
+  </inkml:definitions>
+  <inkml:trace contextRef="#ctx0" brushRef="#br0">1 1557 24575,'30'3'0,"1"1"0,-1 1 0,55 16 0,-31-6 0,4 1 0,-1 2 0,-1 3 0,0 3 0,78 45 0,36 24 0,-169-92 0,0 0 0,0 0 0,0 0 0,1-1 0,-1 1 0,0 0 0,1-1 0,-1 1 0,0 0 0,1-1 0,-1 0 0,1 1 0,-1-1 0,1 0 0,-1 0 0,1 0 0,-1 0 0,1 0 0,-1 0 0,1 0 0,-1 0 0,1-1 0,-1 1 0,1-1 0,-1 1 0,1-1 0,-1 1 0,0-1 0,1 0 0,-1 0 0,0 1 0,0-1 0,0 0 0,0 0 0,1 0 0,-1-1 0,0 1 0,-1 0 0,1 0 0,0 0 0,0-1 0,0 1 0,-1-1 0,1 1 0,-1 0 0,1-1 0,-1 1 0,0-1 0,1 1 0,-1-3 0,2-11 0,0 1 0,-1-1 0,0 0 0,-2-18 0,0 17 0,-3-33 0,-1 1 0,-4 0 0,-19-70 0,-2-4 0,4 25 0,-4 1 0,-61-133 0,9 25 0,-104-328 0,171 492 0,-33-64 0,38 89-1365,0 4-5461</inkml:trace>
+</inkml:ink>
+</file>
+
+<file path=ppt/ink/ink35.xml><?xml version="1.0" encoding="utf-8"?>
+<inkml:ink xmlns:inkml="http://www.w3.org/2003/InkML">
+  <inkml:definitions>
+    <inkml:context xml:id="ctx0">
+      <inkml:inkSource xml:id="inkSrc0">
+        <inkml:traceFormat>
+          <inkml:channel name="X" type="integer" min="-2.14748E9" max="2.14748E9" units="cm"/>
+          <inkml:channel name="Y" type="integer" min="-2.14748E9" max="2.14748E9" units="cm"/>
+          <inkml:channel name="F" type="integer" max="32767" units="dev"/>
+        </inkml:traceFormat>
+        <inkml:channelProperties>
+          <inkml:channelProperty channel="X" name="resolution" value="1000" units="1/cm"/>
+          <inkml:channelProperty channel="Y" name="resolution" value="1000" units="1/cm"/>
+          <inkml:channelProperty channel="F" name="resolution" value="0" units="1/dev"/>
+        </inkml:channelProperties>
+      </inkml:inkSource>
+      <inkml:timestamp xml:id="ts0" timeString="2024-09-23T06:11:56.963"/>
+    </inkml:context>
+    <inkml:brush xml:id="br0">
+      <inkml:brushProperty name="width" value="0.035" units="cm"/>
+      <inkml:brushProperty name="height" value="0.035" units="cm"/>
+      <inkml:brushProperty name="color" value="#E71224"/>
+    </inkml:brush>
+  </inkml:definitions>
+  <inkml:trace contextRef="#ctx0" brushRef="#br0">3136 73 24575,'-380'16'0,"268"-5"0,-163 19 0,-208 14 0,220-25 0,-168 10 0,190-3 0,142-20 0,70-5 0,0 1 0,-52 9 0,53-5 0,-49 2 0,-23 4 0,55-1 0,1 2 0,1 1 0,-49 24 0,67-26 0,1 1 0,1 2 0,0 0 0,0 1 0,2 1 0,-31 31 0,42-36 0,0 1 0,1-1 0,1 1 0,0 1 0,1-1 0,0 1 0,1 1 0,1-1 0,0 1 0,-4 22 0,6-17 0,0 1 0,1 0 0,1 0 0,1 0 0,1 0 0,1 0 0,5 25 0,-2-30 0,0 1 0,1-1 0,1 0 0,1-1 0,0 0 0,1 0 0,1 0 0,20 24 0,-9-16 0,0-1 0,1-1 0,1-1 0,31 21 0,10-2 0,1-3 0,1-3 0,2-3 0,1-3 0,118 31 0,-36-24 0,273 28 0,-265-54 0,40 4 0,346 1 0,-335-16 0,225-28 0,-219 10 0,-28-3 0,-105 11 0,89-2 0,-50 3 0,-4 0 0,121-13 0,-97 9 0,-61 4 0,-6 3 0,-18 1 0,71 0 0,23-5 0,1 0 0,-122 12 0,57-11 0,-56 7 0,52-3 0,58 11 0,103-5 0,-159-10 0,-52 6 0,54-2 0,-57 8 0,-1-1 0,0-1 0,47-10 0,41-12 0,-60 14 0,82-27 0,-77 17 0,-33 12 0,0-2 0,-1 0 0,49-27 0,-71 33 0,1 0 0,0-1 0,-1 0 0,0 0 0,0 0 0,0-1 0,-1 0 0,0 0 0,0 0 0,0-1 0,-1 0 0,0 1 0,0-2 0,-1 1 0,0 0 0,0-1 0,-1 1 0,0-1 0,1-9 0,-1 3 0,-1 1 0,0 0 0,-1-1 0,-1 1 0,0 0 0,-1 0 0,0-1 0,-1 1 0,0 0 0,-8-17 0,2 11 0,0 1 0,-2 0 0,0 0 0,-1 1 0,-28-30 0,11 15 0,-2 0 0,-1 2 0,-1 1 0,-2 2 0,0 2 0,-2 1 0,-68-33 0,-1 10 0,-2 6 0,-2 3 0,-133-25 0,-317-27-588,-133 49 588,-1300 43 588,1961-4-606,0-2-1,0-1 0,-45-13 1,20 4-1273,35 10-5535</inkml:trace>
+</inkml:ink>
+</file>
+
 <file path=ppt/ink/ink4.xml><?xml version="1.0" encoding="utf-8"?>
 <inkml:ink xmlns:inkml="http://www.w3.org/2003/InkML">
   <inkml:definitions>
@@ -6902,7 +7017,7 @@
         <p:spPr>
           <a:xfrm>
             <a:off x="7924800" y="877455"/>
-            <a:ext cx="3794629" cy="3693319"/>
+            <a:ext cx="3794629" cy="4247317"/>
           </a:xfrm>
           <a:prstGeom prst="rect">
             <a:avLst/>
@@ -7004,10 +7119,18 @@
               <a:t>날려서 다시 로그인 하자</a:t>
             </a:r>
             <a:r>
-              <a:rPr lang="en-US" altLang="ko-KR"/>
+              <a:rPr lang="en-US" altLang="ko-KR" dirty="0"/>
               <a:t>.</a:t>
             </a:r>
-            <a:endParaRPr lang="ko-KR" altLang="en-US" dirty="0"/>
+          </a:p>
+          <a:p>
+            <a:endParaRPr lang="en-US" altLang="ko-KR" dirty="0"/>
+          </a:p>
+          <a:p>
+            <a:r>
+              <a:rPr lang="ko-KR" altLang="en-US" dirty="0"/>
+              <a:t>방법은</a:t>
+            </a:r>
           </a:p>
         </p:txBody>
       </p:sp>
@@ -7041,6 +7164,116 @@
           <a:chExt cx="0" cy="0"/>
         </a:xfrm>
       </p:grpSpPr>
+      <p:pic>
+        <p:nvPicPr>
+          <p:cNvPr id="3" name="그림 2">
+            <a:extLst>
+              <a:ext uri="{FF2B5EF4-FFF2-40B4-BE49-F238E27FC236}">
+                <a16:creationId xmlns:a16="http://schemas.microsoft.com/office/drawing/2014/main" id="{9DFB5A57-2D4B-D2AD-A40B-28F0BE5B4CC0}"/>
+              </a:ext>
+            </a:extLst>
+          </p:cNvPr>
+          <p:cNvPicPr>
+            <a:picLocks noChangeAspect="1"/>
+          </p:cNvPicPr>
+          <p:nvPr/>
+        </p:nvPicPr>
+        <p:blipFill>
+          <a:blip r:embed="rId2"/>
+          <a:srcRect l="21558"/>
+          <a:stretch/>
+        </p:blipFill>
+        <p:spPr>
+          <a:xfrm>
+            <a:off x="364472" y="0"/>
+            <a:ext cx="5731528" cy="6839905"/>
+          </a:xfrm>
+          <a:prstGeom prst="rect">
+            <a:avLst/>
+          </a:prstGeom>
+        </p:spPr>
+      </p:pic>
+      <p:pic>
+        <p:nvPicPr>
+          <p:cNvPr id="5" name="그림 4">
+            <a:extLst>
+              <a:ext uri="{FF2B5EF4-FFF2-40B4-BE49-F238E27FC236}">
+                <a16:creationId xmlns:a16="http://schemas.microsoft.com/office/drawing/2014/main" id="{EC3618D2-E324-3B8E-232B-C98D4E05C0F3}"/>
+              </a:ext>
+            </a:extLst>
+          </p:cNvPr>
+          <p:cNvPicPr>
+            <a:picLocks noChangeAspect="1"/>
+          </p:cNvPicPr>
+          <p:nvPr/>
+        </p:nvPicPr>
+        <p:blipFill>
+          <a:blip r:embed="rId3"/>
+          <a:stretch>
+            <a:fillRect/>
+          </a:stretch>
+        </p:blipFill>
+        <p:spPr>
+          <a:xfrm>
+            <a:off x="6731890" y="552171"/>
+            <a:ext cx="5858693" cy="6049219"/>
+          </a:xfrm>
+          <a:prstGeom prst="rect">
+            <a:avLst/>
+          </a:prstGeom>
+        </p:spPr>
+      </p:pic>
+      <mc:AlternateContent xmlns:mc="http://schemas.openxmlformats.org/markup-compatibility/2006">
+        <mc:Choice xmlns:p14="http://schemas.microsoft.com/office/powerpoint/2010/main" Requires="p14">
+          <p:contentPart p14:bwMode="auto" r:id="rId4">
+            <p14:nvContentPartPr>
+              <p14:cNvPr id="7" name="잉크 6">
+                <a:extLst>
+                  <a:ext uri="{FF2B5EF4-FFF2-40B4-BE49-F238E27FC236}">
+                    <a16:creationId xmlns:a16="http://schemas.microsoft.com/office/drawing/2014/main" id="{DDFEFE71-987A-9453-43B3-98B57FAF3FAA}"/>
+                  </a:ext>
+                </a:extLst>
+              </p14:cNvPr>
+              <p14:cNvContentPartPr/>
+              <p14:nvPr/>
+            </p14:nvContentPartPr>
+            <p14:xfrm>
+              <a:off x="6760007" y="4994469"/>
+              <a:ext cx="1482840" cy="345240"/>
+            </p14:xfrm>
+          </p:contentPart>
+        </mc:Choice>
+        <mc:Fallback>
+          <p:pic>
+            <p:nvPicPr>
+              <p:cNvPr id="7" name="잉크 6">
+                <a:extLst>
+                  <a:ext uri="{FF2B5EF4-FFF2-40B4-BE49-F238E27FC236}">
+                    <a16:creationId xmlns:a16="http://schemas.microsoft.com/office/drawing/2014/main" id="{DDFEFE71-987A-9453-43B3-98B57FAF3FAA}"/>
+                  </a:ext>
+                </a:extLst>
+              </p:cNvPr>
+              <p:cNvPicPr/>
+              <p:nvPr/>
+            </p:nvPicPr>
+            <p:blipFill>
+              <a:blip r:embed="rId5"/>
+              <a:stretch>
+                <a:fillRect/>
+              </a:stretch>
+            </p:blipFill>
+            <p:spPr>
+              <a:xfrm>
+                <a:off x="6753887" y="4988349"/>
+                <a:ext cx="1495080" cy="357480"/>
+              </a:xfrm>
+              <a:prstGeom prst="rect">
+                <a:avLst/>
+              </a:prstGeom>
+            </p:spPr>
+          </p:pic>
+        </mc:Fallback>
+      </mc:AlternateContent>
     </p:spTree>
     <p:extLst>
       <p:ext uri="{BB962C8B-B14F-4D97-AF65-F5344CB8AC3E}">
@@ -7594,6 +7827,493 @@
     <p:extLst>
       <p:ext uri="{BB962C8B-B14F-4D97-AF65-F5344CB8AC3E}">
         <p14:creationId xmlns:p14="http://schemas.microsoft.com/office/powerpoint/2010/main" val="3236520167"/>
+      </p:ext>
+    </p:extLst>
+  </p:cSld>
+  <p:clrMapOvr>
+    <a:masterClrMapping/>
+  </p:clrMapOvr>
+</p:sld>
+</file>
+
+<file path=ppt/slides/slide20.xml><?xml version="1.0" encoding="utf-8"?>
+<p:sld xmlns:a="http://schemas.openxmlformats.org/drawingml/2006/main" xmlns:r="http://schemas.openxmlformats.org/officeDocument/2006/relationships" xmlns:p="http://schemas.openxmlformats.org/presentationml/2006/main">
+  <p:cSld>
+    <p:spTree>
+      <p:nvGrpSpPr>
+        <p:cNvPr id="1" name=""/>
+        <p:cNvGrpSpPr/>
+        <p:nvPr/>
+      </p:nvGrpSpPr>
+      <p:grpSpPr>
+        <a:xfrm>
+          <a:off x="0" y="0"/>
+          <a:ext cx="0" cy="0"/>
+          <a:chOff x="0" y="0"/>
+          <a:chExt cx="0" cy="0"/>
+        </a:xfrm>
+      </p:grpSpPr>
+      <p:pic>
+        <p:nvPicPr>
+          <p:cNvPr id="3" name="그림 2">
+            <a:extLst>
+              <a:ext uri="{FF2B5EF4-FFF2-40B4-BE49-F238E27FC236}">
+                <a16:creationId xmlns:a16="http://schemas.microsoft.com/office/drawing/2014/main" id="{AE6D461B-D1D4-594F-938B-6C4CEA991B49}"/>
+              </a:ext>
+            </a:extLst>
+          </p:cNvPr>
+          <p:cNvPicPr>
+            <a:picLocks noChangeAspect="1"/>
+          </p:cNvPicPr>
+          <p:nvPr/>
+        </p:nvPicPr>
+        <p:blipFill>
+          <a:blip r:embed="rId2"/>
+          <a:stretch>
+            <a:fillRect/>
+          </a:stretch>
+        </p:blipFill>
+        <p:spPr>
+          <a:xfrm>
+            <a:off x="1806422" y="1493253"/>
+            <a:ext cx="6325483" cy="2172003"/>
+          </a:xfrm>
+          <a:prstGeom prst="rect">
+            <a:avLst/>
+          </a:prstGeom>
+        </p:spPr>
+      </p:pic>
+    </p:spTree>
+    <p:extLst>
+      <p:ext uri="{BB962C8B-B14F-4D97-AF65-F5344CB8AC3E}">
+        <p14:creationId xmlns:p14="http://schemas.microsoft.com/office/powerpoint/2010/main" val="179134758"/>
+      </p:ext>
+    </p:extLst>
+  </p:cSld>
+  <p:clrMapOvr>
+    <a:masterClrMapping/>
+  </p:clrMapOvr>
+</p:sld>
+</file>
+
+<file path=ppt/slides/slide21.xml><?xml version="1.0" encoding="utf-8"?>
+<p:sld xmlns:a="http://schemas.openxmlformats.org/drawingml/2006/main" xmlns:r="http://schemas.openxmlformats.org/officeDocument/2006/relationships" xmlns:p="http://schemas.openxmlformats.org/presentationml/2006/main">
+  <p:cSld>
+    <p:spTree>
+      <p:nvGrpSpPr>
+        <p:cNvPr id="1" name=""/>
+        <p:cNvGrpSpPr/>
+        <p:nvPr/>
+      </p:nvGrpSpPr>
+      <p:grpSpPr>
+        <a:xfrm>
+          <a:off x="0" y="0"/>
+          <a:ext cx="0" cy="0"/>
+          <a:chOff x="0" y="0"/>
+          <a:chExt cx="0" cy="0"/>
+        </a:xfrm>
+      </p:grpSpPr>
+      <p:pic>
+        <p:nvPicPr>
+          <p:cNvPr id="3" name="그림 2">
+            <a:extLst>
+              <a:ext uri="{FF2B5EF4-FFF2-40B4-BE49-F238E27FC236}">
+                <a16:creationId xmlns:a16="http://schemas.microsoft.com/office/drawing/2014/main" id="{EED7DCD3-C859-03AC-A621-F50DB17F89E3}"/>
+              </a:ext>
+            </a:extLst>
+          </p:cNvPr>
+          <p:cNvPicPr>
+            <a:picLocks noChangeAspect="1"/>
+          </p:cNvPicPr>
+          <p:nvPr/>
+        </p:nvPicPr>
+        <p:blipFill>
+          <a:blip r:embed="rId2"/>
+          <a:stretch>
+            <a:fillRect/>
+          </a:stretch>
+        </p:blipFill>
+        <p:spPr>
+          <a:xfrm>
+            <a:off x="302101" y="332943"/>
+            <a:ext cx="3515216" cy="6192114"/>
+          </a:xfrm>
+          <a:prstGeom prst="rect">
+            <a:avLst/>
+          </a:prstGeom>
+        </p:spPr>
+      </p:pic>
+      <p:pic>
+        <p:nvPicPr>
+          <p:cNvPr id="5" name="그림 4">
+            <a:extLst>
+              <a:ext uri="{FF2B5EF4-FFF2-40B4-BE49-F238E27FC236}">
+                <a16:creationId xmlns:a16="http://schemas.microsoft.com/office/drawing/2014/main" id="{6D9CEE71-0327-DDD7-5927-16CCCCF02792}"/>
+              </a:ext>
+            </a:extLst>
+          </p:cNvPr>
+          <p:cNvPicPr>
+            <a:picLocks noChangeAspect="1"/>
+          </p:cNvPicPr>
+          <p:nvPr/>
+        </p:nvPicPr>
+        <p:blipFill>
+          <a:blip r:embed="rId3"/>
+          <a:stretch>
+            <a:fillRect/>
+          </a:stretch>
+        </p:blipFill>
+        <p:spPr>
+          <a:xfrm>
+            <a:off x="5840681" y="1182649"/>
+            <a:ext cx="5068007" cy="4677428"/>
+          </a:xfrm>
+          <a:prstGeom prst="rect">
+            <a:avLst/>
+          </a:prstGeom>
+        </p:spPr>
+      </p:pic>
+      <p:grpSp>
+        <p:nvGrpSpPr>
+          <p:cNvPr id="8" name="그룹 7">
+            <a:extLst>
+              <a:ext uri="{FF2B5EF4-FFF2-40B4-BE49-F238E27FC236}">
+                <a16:creationId xmlns:a16="http://schemas.microsoft.com/office/drawing/2014/main" id="{37B28F5A-6EEE-18AA-2EEF-C0A249A51CFA}"/>
+              </a:ext>
+            </a:extLst>
+          </p:cNvPr>
+          <p:cNvGrpSpPr/>
+          <p:nvPr/>
+        </p:nvGrpSpPr>
+        <p:grpSpPr>
+          <a:xfrm>
+            <a:off x="3592727" y="2801349"/>
+            <a:ext cx="2311560" cy="736200"/>
+            <a:chOff x="3592727" y="2801349"/>
+            <a:chExt cx="2311560" cy="736200"/>
+          </a:xfrm>
+        </p:grpSpPr>
+        <mc:AlternateContent xmlns:mc="http://schemas.openxmlformats.org/markup-compatibility/2006">
+          <mc:Choice xmlns:p14="http://schemas.microsoft.com/office/powerpoint/2010/main" Requires="p14">
+            <p:contentPart p14:bwMode="auto" r:id="rId4">
+              <p14:nvContentPartPr>
+                <p14:cNvPr id="6" name="잉크 5">
+                  <a:extLst>
+                    <a:ext uri="{FF2B5EF4-FFF2-40B4-BE49-F238E27FC236}">
+                      <a16:creationId xmlns:a16="http://schemas.microsoft.com/office/drawing/2014/main" id="{F131C7A6-BB12-A712-958C-DA614C754358}"/>
+                    </a:ext>
+                  </a:extLst>
+                </p14:cNvPr>
+                <p14:cNvContentPartPr/>
+                <p14:nvPr/>
+              </p14:nvContentPartPr>
+              <p14:xfrm>
+                <a:off x="3592727" y="3093309"/>
+                <a:ext cx="2311560" cy="444240"/>
+              </p14:xfrm>
+            </p:contentPart>
+          </mc:Choice>
+          <mc:Fallback>
+            <p:pic>
+              <p:nvPicPr>
+                <p:cNvPr id="6" name="잉크 5">
+                  <a:extLst>
+                    <a:ext uri="{FF2B5EF4-FFF2-40B4-BE49-F238E27FC236}">
+                      <a16:creationId xmlns:a16="http://schemas.microsoft.com/office/drawing/2014/main" id="{F131C7A6-BB12-A712-958C-DA614C754358}"/>
+                    </a:ext>
+                  </a:extLst>
+                </p:cNvPr>
+                <p:cNvPicPr/>
+                <p:nvPr/>
+              </p:nvPicPr>
+              <p:blipFill>
+                <a:blip r:embed="rId5"/>
+                <a:stretch>
+                  <a:fillRect/>
+                </a:stretch>
+              </p:blipFill>
+              <p:spPr>
+                <a:xfrm>
+                  <a:off x="3586607" y="3087189"/>
+                  <a:ext cx="2323800" cy="456480"/>
+                </a:xfrm>
+                <a:prstGeom prst="rect">
+                  <a:avLst/>
+                </a:prstGeom>
+              </p:spPr>
+            </p:pic>
+          </mc:Fallback>
+        </mc:AlternateContent>
+        <mc:AlternateContent xmlns:mc="http://schemas.openxmlformats.org/markup-compatibility/2006">
+          <mc:Choice xmlns:p14="http://schemas.microsoft.com/office/powerpoint/2010/main" Requires="p14">
+            <p:contentPart p14:bwMode="auto" r:id="rId6">
+              <p14:nvContentPartPr>
+                <p14:cNvPr id="7" name="잉크 6">
+                  <a:extLst>
+                    <a:ext uri="{FF2B5EF4-FFF2-40B4-BE49-F238E27FC236}">
+                      <a16:creationId xmlns:a16="http://schemas.microsoft.com/office/drawing/2014/main" id="{5572409F-0C4D-E2CA-4365-B8CED4693981}"/>
+                    </a:ext>
+                  </a:extLst>
+                </p14:cNvPr>
+                <p14:cNvContentPartPr/>
+                <p14:nvPr/>
+              </p14:nvContentPartPr>
+              <p14:xfrm>
+                <a:off x="5597207" y="2801349"/>
+                <a:ext cx="297360" cy="667800"/>
+              </p14:xfrm>
+            </p:contentPart>
+          </mc:Choice>
+          <mc:Fallback>
+            <p:pic>
+              <p:nvPicPr>
+                <p:cNvPr id="7" name="잉크 6">
+                  <a:extLst>
+                    <a:ext uri="{FF2B5EF4-FFF2-40B4-BE49-F238E27FC236}">
+                      <a16:creationId xmlns:a16="http://schemas.microsoft.com/office/drawing/2014/main" id="{5572409F-0C4D-E2CA-4365-B8CED4693981}"/>
+                    </a:ext>
+                  </a:extLst>
+                </p:cNvPr>
+                <p:cNvPicPr/>
+                <p:nvPr/>
+              </p:nvPicPr>
+              <p:blipFill>
+                <a:blip r:embed="rId7"/>
+                <a:stretch>
+                  <a:fillRect/>
+                </a:stretch>
+              </p:blipFill>
+              <p:spPr>
+                <a:xfrm>
+                  <a:off x="5591087" y="2795229"/>
+                  <a:ext cx="309600" cy="680040"/>
+                </a:xfrm>
+                <a:prstGeom prst="rect">
+                  <a:avLst/>
+                </a:prstGeom>
+              </p:spPr>
+            </p:pic>
+          </mc:Fallback>
+        </mc:AlternateContent>
+      </p:grpSp>
+      <p:sp>
+        <p:nvSpPr>
+          <p:cNvPr id="9" name="TextBox 8">
+            <a:extLst>
+              <a:ext uri="{FF2B5EF4-FFF2-40B4-BE49-F238E27FC236}">
+                <a16:creationId xmlns:a16="http://schemas.microsoft.com/office/drawing/2014/main" id="{85CBBDD6-72F5-BA54-D977-126D797BA39C}"/>
+              </a:ext>
+            </a:extLst>
+          </p:cNvPr>
+          <p:cNvSpPr txBox="1"/>
+          <p:nvPr/>
+        </p:nvSpPr>
+        <p:spPr>
+          <a:xfrm>
+            <a:off x="4887053" y="294155"/>
+            <a:ext cx="2164375" cy="369332"/>
+          </a:xfrm>
+          <a:prstGeom prst="rect">
+            <a:avLst/>
+          </a:prstGeom>
+          <a:noFill/>
+        </p:spPr>
+        <p:txBody>
+          <a:bodyPr wrap="none" rtlCol="0">
+            <a:spAutoFit/>
+          </a:bodyPr>
+          <a:lstStyle/>
+          <a:p>
+            <a:r>
+              <a:rPr lang="ko-KR" altLang="en-US" dirty="0"/>
+              <a:t>재로그인하면 된다</a:t>
+            </a:r>
+            <a:r>
+              <a:rPr lang="en-US" altLang="ko-KR" dirty="0"/>
+              <a:t>.</a:t>
+            </a:r>
+            <a:endParaRPr lang="ko-KR" altLang="en-US" dirty="0"/>
+          </a:p>
+        </p:txBody>
+      </p:sp>
+      <mc:AlternateContent xmlns:mc="http://schemas.openxmlformats.org/markup-compatibility/2006">
+        <mc:Choice xmlns:p14="http://schemas.microsoft.com/office/powerpoint/2010/main" Requires="p14">
+          <p:contentPart p14:bwMode="auto" r:id="rId8">
+            <p14:nvContentPartPr>
+              <p14:cNvPr id="11" name="잉크 10">
+                <a:extLst>
+                  <a:ext uri="{FF2B5EF4-FFF2-40B4-BE49-F238E27FC236}">
+                    <a16:creationId xmlns:a16="http://schemas.microsoft.com/office/drawing/2014/main" id="{6C2CE6C1-A0A6-F83D-1383-0AB934E1BD4C}"/>
+                  </a:ext>
+                </a:extLst>
+              </p14:cNvPr>
+              <p14:cNvContentPartPr/>
+              <p14:nvPr/>
+            </p14:nvContentPartPr>
+            <p14:xfrm>
+              <a:off x="7322327" y="3658869"/>
+              <a:ext cx="2313000" cy="544680"/>
+            </p14:xfrm>
+          </p:contentPart>
+        </mc:Choice>
+        <mc:Fallback>
+          <p:pic>
+            <p:nvPicPr>
+              <p:cNvPr id="11" name="잉크 10">
+                <a:extLst>
+                  <a:ext uri="{FF2B5EF4-FFF2-40B4-BE49-F238E27FC236}">
+                    <a16:creationId xmlns:a16="http://schemas.microsoft.com/office/drawing/2014/main" id="{6C2CE6C1-A0A6-F83D-1383-0AB934E1BD4C}"/>
+                  </a:ext>
+                </a:extLst>
+              </p:cNvPr>
+              <p:cNvPicPr/>
+              <p:nvPr/>
+            </p:nvPicPr>
+            <p:blipFill>
+              <a:blip r:embed="rId9"/>
+              <a:stretch>
+                <a:fillRect/>
+              </a:stretch>
+            </p:blipFill>
+            <p:spPr>
+              <a:xfrm>
+                <a:off x="7316207" y="3652749"/>
+                <a:ext cx="2325240" cy="556920"/>
+              </a:xfrm>
+              <a:prstGeom prst="rect">
+                <a:avLst/>
+              </a:prstGeom>
+            </p:spPr>
+          </p:pic>
+        </mc:Fallback>
+      </mc:AlternateContent>
+    </p:spTree>
+    <p:extLst>
+      <p:ext uri="{BB962C8B-B14F-4D97-AF65-F5344CB8AC3E}">
+        <p14:creationId xmlns:p14="http://schemas.microsoft.com/office/powerpoint/2010/main" val="2196745313"/>
+      </p:ext>
+    </p:extLst>
+  </p:cSld>
+  <p:clrMapOvr>
+    <a:masterClrMapping/>
+  </p:clrMapOvr>
+</p:sld>
+</file>
+
+<file path=ppt/slides/slide22.xml><?xml version="1.0" encoding="utf-8"?>
+<p:sld xmlns:a="http://schemas.openxmlformats.org/drawingml/2006/main" xmlns:r="http://schemas.openxmlformats.org/officeDocument/2006/relationships" xmlns:p="http://schemas.openxmlformats.org/presentationml/2006/main">
+  <p:cSld>
+    <p:spTree>
+      <p:nvGrpSpPr>
+        <p:cNvPr id="1" name=""/>
+        <p:cNvGrpSpPr/>
+        <p:nvPr/>
+      </p:nvGrpSpPr>
+      <p:grpSpPr>
+        <a:xfrm>
+          <a:off x="0" y="0"/>
+          <a:ext cx="0" cy="0"/>
+          <a:chOff x="0" y="0"/>
+          <a:chExt cx="0" cy="0"/>
+        </a:xfrm>
+      </p:grpSpPr>
+      <p:pic>
+        <p:nvPicPr>
+          <p:cNvPr id="3" name="그림 2">
+            <a:extLst>
+              <a:ext uri="{FF2B5EF4-FFF2-40B4-BE49-F238E27FC236}">
+                <a16:creationId xmlns:a16="http://schemas.microsoft.com/office/drawing/2014/main" id="{CAE226A0-402F-66BA-891E-F6EE7990E05E}"/>
+              </a:ext>
+            </a:extLst>
+          </p:cNvPr>
+          <p:cNvPicPr>
+            <a:picLocks noChangeAspect="1"/>
+          </p:cNvPicPr>
+          <p:nvPr/>
+        </p:nvPicPr>
+        <p:blipFill>
+          <a:blip r:embed="rId2"/>
+          <a:stretch>
+            <a:fillRect/>
+          </a:stretch>
+        </p:blipFill>
+        <p:spPr>
+          <a:xfrm>
+            <a:off x="2230963" y="726963"/>
+            <a:ext cx="6954220" cy="3667637"/>
+          </a:xfrm>
+          <a:prstGeom prst="rect">
+            <a:avLst/>
+          </a:prstGeom>
+        </p:spPr>
+      </p:pic>
+      <p:sp>
+        <p:nvSpPr>
+          <p:cNvPr id="5" name="TextBox 4">
+            <a:extLst>
+              <a:ext uri="{FF2B5EF4-FFF2-40B4-BE49-F238E27FC236}">
+                <a16:creationId xmlns:a16="http://schemas.microsoft.com/office/drawing/2014/main" id="{3D6FFB6E-042E-E418-9238-22565ED39B31}"/>
+              </a:ext>
+            </a:extLst>
+          </p:cNvPr>
+          <p:cNvSpPr txBox="1"/>
+          <p:nvPr/>
+        </p:nvSpPr>
+        <p:spPr>
+          <a:xfrm>
+            <a:off x="3390761" y="4792264"/>
+            <a:ext cx="5279009" cy="646331"/>
+          </a:xfrm>
+          <a:prstGeom prst="rect">
+            <a:avLst/>
+          </a:prstGeom>
+          <a:noFill/>
+        </p:spPr>
+        <p:txBody>
+          <a:bodyPr wrap="none" rtlCol="0">
+            <a:spAutoFit/>
+          </a:bodyPr>
+          <a:lstStyle/>
+          <a:p>
+            <a:r>
+              <a:rPr lang="ko-KR" altLang="en-US" dirty="0"/>
+              <a:t>웹과 자동연동 아니면 그냥 </a:t>
+            </a:r>
+            <a:r>
+              <a:rPr lang="en-US" altLang="ko-KR" dirty="0" err="1"/>
+              <a:t>github</a:t>
+            </a:r>
+            <a:r>
+              <a:rPr lang="en-US" altLang="ko-KR" dirty="0"/>
+              <a:t> </a:t>
+            </a:r>
+            <a:r>
+              <a:rPr lang="ko-KR" altLang="en-US" dirty="0" err="1"/>
+              <a:t>로그인창</a:t>
+            </a:r>
+            <a:r>
+              <a:rPr lang="ko-KR" altLang="en-US" dirty="0"/>
+              <a:t> 뜨면</a:t>
+            </a:r>
+            <a:endParaRPr lang="en-US" altLang="ko-KR" dirty="0"/>
+          </a:p>
+          <a:p>
+            <a:r>
+              <a:rPr lang="ko-KR" altLang="en-US" dirty="0"/>
+              <a:t>로그인하면 된다</a:t>
+            </a:r>
+            <a:r>
+              <a:rPr lang="en-US" altLang="ko-KR"/>
+              <a:t>.</a:t>
+            </a:r>
+            <a:endParaRPr lang="ko-KR" altLang="en-US" dirty="0"/>
+          </a:p>
+        </p:txBody>
+      </p:sp>
+    </p:spTree>
+    <p:extLst>
+      <p:ext uri="{BB962C8B-B14F-4D97-AF65-F5344CB8AC3E}">
+        <p14:creationId xmlns:p14="http://schemas.microsoft.com/office/powerpoint/2010/main" val="774154346"/>
       </p:ext>
     </p:extLst>
   </p:cSld>
